--- a/ppts/[Session4] Text Analysis.pptx
+++ b/ppts/[Session4] Text Analysis.pptx
@@ -219,7 +219,7 @@
           <a:p>
             <a:fld id="{7A6B77AA-7177-4D50-AB49-C260886B6169}" type="datetimeFigureOut">
               <a:rPr lang="ko-KR" altLang="en-US" smtClean="0"/>
-              <a:t>2017-06-24</a:t>
+              <a:t>2017-09-25</a:t>
             </a:fld>
             <a:endParaRPr lang="ko-KR" altLang="en-US"/>
           </a:p>
@@ -668,7 +668,7 @@
           <a:p>
             <a:fld id="{1179C0B5-9E42-4E82-BD73-9C37117B84AF}" type="datetimeFigureOut">
               <a:rPr lang="ko-KR" altLang="en-US" smtClean="0"/>
-              <a:t>2017-06-24</a:t>
+              <a:t>2017-09-25</a:t>
             </a:fld>
             <a:endParaRPr lang="ko-KR" altLang="en-US"/>
           </a:p>
@@ -838,7 +838,7 @@
           <a:p>
             <a:fld id="{1179C0B5-9E42-4E82-BD73-9C37117B84AF}" type="datetimeFigureOut">
               <a:rPr lang="ko-KR" altLang="en-US" smtClean="0"/>
-              <a:t>2017-06-24</a:t>
+              <a:t>2017-09-25</a:t>
             </a:fld>
             <a:endParaRPr lang="ko-KR" altLang="en-US"/>
           </a:p>
@@ -1018,7 +1018,7 @@
           <a:p>
             <a:fld id="{1179C0B5-9E42-4E82-BD73-9C37117B84AF}" type="datetimeFigureOut">
               <a:rPr lang="ko-KR" altLang="en-US" smtClean="0"/>
-              <a:t>2017-06-24</a:t>
+              <a:t>2017-09-25</a:t>
             </a:fld>
             <a:endParaRPr lang="ko-KR" altLang="en-US"/>
           </a:p>
@@ -1188,7 +1188,7 @@
           <a:p>
             <a:fld id="{1179C0B5-9E42-4E82-BD73-9C37117B84AF}" type="datetimeFigureOut">
               <a:rPr lang="ko-KR" altLang="en-US" smtClean="0"/>
-              <a:t>2017-06-24</a:t>
+              <a:t>2017-09-25</a:t>
             </a:fld>
             <a:endParaRPr lang="ko-KR" altLang="en-US"/>
           </a:p>
@@ -1434,7 +1434,7 @@
           <a:p>
             <a:fld id="{1179C0B5-9E42-4E82-BD73-9C37117B84AF}" type="datetimeFigureOut">
               <a:rPr lang="ko-KR" altLang="en-US" smtClean="0"/>
-              <a:t>2017-06-24</a:t>
+              <a:t>2017-09-25</a:t>
             </a:fld>
             <a:endParaRPr lang="ko-KR" altLang="en-US"/>
           </a:p>
@@ -1722,7 +1722,7 @@
           <a:p>
             <a:fld id="{1179C0B5-9E42-4E82-BD73-9C37117B84AF}" type="datetimeFigureOut">
               <a:rPr lang="ko-KR" altLang="en-US" smtClean="0"/>
-              <a:t>2017-06-24</a:t>
+              <a:t>2017-09-25</a:t>
             </a:fld>
             <a:endParaRPr lang="ko-KR" altLang="en-US"/>
           </a:p>
@@ -2144,7 +2144,7 @@
           <a:p>
             <a:fld id="{1179C0B5-9E42-4E82-BD73-9C37117B84AF}" type="datetimeFigureOut">
               <a:rPr lang="ko-KR" altLang="en-US" smtClean="0"/>
-              <a:t>2017-06-24</a:t>
+              <a:t>2017-09-25</a:t>
             </a:fld>
             <a:endParaRPr lang="ko-KR" altLang="en-US"/>
           </a:p>
@@ -2262,7 +2262,7 @@
           <a:p>
             <a:fld id="{1179C0B5-9E42-4E82-BD73-9C37117B84AF}" type="datetimeFigureOut">
               <a:rPr lang="ko-KR" altLang="en-US" smtClean="0"/>
-              <a:t>2017-06-24</a:t>
+              <a:t>2017-09-25</a:t>
             </a:fld>
             <a:endParaRPr lang="ko-KR" altLang="en-US"/>
           </a:p>
@@ -2357,7 +2357,7 @@
           <a:p>
             <a:fld id="{1179C0B5-9E42-4E82-BD73-9C37117B84AF}" type="datetimeFigureOut">
               <a:rPr lang="ko-KR" altLang="en-US" smtClean="0"/>
-              <a:t>2017-06-24</a:t>
+              <a:t>2017-09-25</a:t>
             </a:fld>
             <a:endParaRPr lang="ko-KR" altLang="en-US"/>
           </a:p>
@@ -2634,7 +2634,7 @@
           <a:p>
             <a:fld id="{1179C0B5-9E42-4E82-BD73-9C37117B84AF}" type="datetimeFigureOut">
               <a:rPr lang="ko-KR" altLang="en-US" smtClean="0"/>
-              <a:t>2017-06-24</a:t>
+              <a:t>2017-09-25</a:t>
             </a:fld>
             <a:endParaRPr lang="ko-KR" altLang="en-US"/>
           </a:p>
@@ -2887,7 +2887,7 @@
           <a:p>
             <a:fld id="{1179C0B5-9E42-4E82-BD73-9C37117B84AF}" type="datetimeFigureOut">
               <a:rPr lang="ko-KR" altLang="en-US" smtClean="0"/>
-              <a:t>2017-06-24</a:t>
+              <a:t>2017-09-25</a:t>
             </a:fld>
             <a:endParaRPr lang="ko-KR" altLang="en-US"/>
           </a:p>
@@ -3100,7 +3100,7 @@
           <a:p>
             <a:fld id="{1179C0B5-9E42-4E82-BD73-9C37117B84AF}" type="datetimeFigureOut">
               <a:rPr lang="ko-KR" altLang="en-US" smtClean="0"/>
-              <a:t>2017-06-24</a:t>
+              <a:t>2017-09-25</a:t>
             </a:fld>
             <a:endParaRPr lang="ko-KR" altLang="en-US"/>
           </a:p>
@@ -3663,76 +3663,6 @@
       </p:sp>
       <p:sp>
         <p:nvSpPr>
-          <p:cNvPr id="6" name="TextBox 5"/>
-          <p:cNvSpPr txBox="1"/>
-          <p:nvPr/>
-        </p:nvSpPr>
-        <p:spPr>
-          <a:xfrm>
-            <a:off x="854185" y="3510300"/>
-            <a:ext cx="1402948" cy="369332"/>
-          </a:xfrm>
-          <a:prstGeom prst="rect">
-            <a:avLst/>
-          </a:prstGeom>
-          <a:noFill/>
-        </p:spPr>
-        <p:txBody>
-          <a:bodyPr wrap="none" rtlCol="0">
-            <a:spAutoFit/>
-          </a:bodyPr>
-          <a:lstStyle/>
-          <a:p>
-            <a:r>
-              <a:rPr lang="ko-KR" altLang="en-US" dirty="0" smtClean="0">
-                <a:gradFill>
-                  <a:gsLst>
-                    <a:gs pos="0">
-                      <a:schemeClr val="tx1">
-                        <a:lumMod val="65000"/>
-                        <a:lumOff val="35000"/>
-                      </a:schemeClr>
-                    </a:gs>
-                    <a:gs pos="100000">
-                      <a:schemeClr val="tx1">
-                        <a:lumMod val="65000"/>
-                        <a:lumOff val="35000"/>
-                      </a:schemeClr>
-                    </a:gs>
-                  </a:gsLst>
-                  <a:lin ang="5400000" scaled="0"/>
-                </a:gradFill>
-                <a:latin typeface="Arial" pitchFamily="34" charset="0"/>
-                <a:cs typeface="Arial" pitchFamily="34" charset="0"/>
-              </a:rPr>
-              <a:t>박진수 교수</a:t>
-            </a:r>
-            <a:endParaRPr lang="ko-KR" altLang="en-US" dirty="0">
-              <a:gradFill>
-                <a:gsLst>
-                  <a:gs pos="0">
-                    <a:schemeClr val="tx1">
-                      <a:lumMod val="65000"/>
-                      <a:lumOff val="35000"/>
-                    </a:schemeClr>
-                  </a:gs>
-                  <a:gs pos="100000">
-                    <a:schemeClr val="tx1">
-                      <a:lumMod val="65000"/>
-                      <a:lumOff val="35000"/>
-                    </a:schemeClr>
-                  </a:gs>
-                </a:gsLst>
-                <a:lin ang="5400000" scaled="0"/>
-              </a:gradFill>
-              <a:latin typeface="Arial" pitchFamily="34" charset="0"/>
-              <a:cs typeface="Arial" pitchFamily="34" charset="0"/>
-            </a:endParaRPr>
-          </a:p>
-        </p:txBody>
-      </p:sp>
-      <p:sp>
-        <p:nvSpPr>
           <p:cNvPr id="7" name="TextBox 6"/>
           <p:cNvSpPr txBox="1"/>
           <p:nvPr/>
@@ -4032,10 +3962,10 @@
                 <a:latin typeface="Arial" pitchFamily="34" charset="0"/>
                 <a:cs typeface="Arial" pitchFamily="34" charset="0"/>
               </a:rPr>
-              <a:t>2</a:t>
-            </a:r>
-            <a:r>
-              <a:rPr lang="en-US" altLang="ko-KR" sz="2400" b="1" dirty="0" smtClean="0">
+              <a:t>2-1. </a:t>
+            </a:r>
+            <a:r>
+              <a:rPr lang="ko-KR" altLang="en-US" sz="2400" b="1" dirty="0" smtClean="0">
                 <a:gradFill>
                   <a:gsLst>
                     <a:gs pos="0">
@@ -4050,43 +3980,7 @@
                 <a:latin typeface="Arial" pitchFamily="34" charset="0"/>
                 <a:cs typeface="Arial" pitchFamily="34" charset="0"/>
               </a:rPr>
-              <a:t>-1. </a:t>
-            </a:r>
-            <a:r>
-              <a:rPr lang="ko-KR" altLang="en-US" sz="2400" b="1" dirty="0" smtClean="0">
-                <a:gradFill>
-                  <a:gsLst>
-                    <a:gs pos="0">
-                      <a:srgbClr val="339966"/>
-                    </a:gs>
-                    <a:gs pos="100000">
-                      <a:srgbClr val="339966"/>
-                    </a:gs>
-                  </a:gsLst>
-                  <a:lin ang="5400000" scaled="0"/>
-                </a:gradFill>
-                <a:latin typeface="Arial" pitchFamily="34" charset="0"/>
-                <a:cs typeface="Arial" pitchFamily="34" charset="0"/>
-              </a:rPr>
-              <a:t>세</a:t>
-            </a:r>
-            <a:r>
-              <a:rPr lang="ko-KR" altLang="en-US" sz="2400" b="1" dirty="0" smtClean="0">
-                <a:gradFill>
-                  <a:gsLst>
-                    <a:gs pos="0">
-                      <a:srgbClr val="339966"/>
-                    </a:gs>
-                    <a:gs pos="100000">
-                      <a:srgbClr val="339966"/>
-                    </a:gs>
-                  </a:gsLst>
-                  <a:lin ang="5400000" scaled="0"/>
-                </a:gradFill>
-                <a:latin typeface="Arial" pitchFamily="34" charset="0"/>
-                <a:cs typeface="Arial" pitchFamily="34" charset="0"/>
-              </a:rPr>
-              <a:t> 영화 리뷰 간 유사성 계산하기</a:t>
+              <a:t>세 영화 리뷰 간 유사성 계산하기</a:t>
             </a:r>
             <a:endParaRPr lang="ko-KR" altLang="en-US" sz="2400" b="1" dirty="0">
               <a:gradFill>
@@ -4922,31 +4816,7 @@
                 <a:latin typeface="Arial" pitchFamily="34" charset="0"/>
                 <a:cs typeface="Arial" pitchFamily="34" charset="0"/>
               </a:rPr>
-              <a:t>출력 </a:t>
-            </a:r>
-            <a:r>
-              <a:rPr lang="ko-KR" altLang="en-US" sz="1400" dirty="0" smtClean="0">
-                <a:gradFill>
-                  <a:gsLst>
-                    <a:gs pos="0">
-                      <a:schemeClr val="tx1">
-                        <a:lumMod val="65000"/>
-                        <a:lumOff val="35000"/>
-                      </a:schemeClr>
-                    </a:gs>
-                    <a:gs pos="100000">
-                      <a:schemeClr val="tx1">
-                        <a:lumMod val="65000"/>
-                        <a:lumOff val="35000"/>
-                      </a:schemeClr>
-                    </a:gs>
-                  </a:gsLst>
-                  <a:lin ang="5400000" scaled="0"/>
-                </a:gradFill>
-                <a:latin typeface="Arial" pitchFamily="34" charset="0"/>
-                <a:cs typeface="Arial" pitchFamily="34" charset="0"/>
-              </a:rPr>
-              <a:t>결과</a:t>
+              <a:t>출력 결과</a:t>
             </a:r>
             <a:endParaRPr lang="ko-KR" altLang="en-US" sz="1400" dirty="0">
               <a:gradFill>
@@ -5074,10 +4944,10 @@
                 <a:latin typeface="Arial" pitchFamily="34" charset="0"/>
                 <a:cs typeface="Arial" pitchFamily="34" charset="0"/>
               </a:rPr>
-              <a:t>2</a:t>
-            </a:r>
-            <a:r>
-              <a:rPr lang="en-US" altLang="ko-KR" sz="2400" b="1" dirty="0" smtClean="0">
+              <a:t>2-1. </a:t>
+            </a:r>
+            <a:r>
+              <a:rPr lang="ko-KR" altLang="en-US" sz="2400" b="1" dirty="0" smtClean="0">
                 <a:gradFill>
                   <a:gsLst>
                     <a:gs pos="0">
@@ -5092,43 +4962,7 @@
                 <a:latin typeface="Arial" pitchFamily="34" charset="0"/>
                 <a:cs typeface="Arial" pitchFamily="34" charset="0"/>
               </a:rPr>
-              <a:t>-1. </a:t>
-            </a:r>
-            <a:r>
-              <a:rPr lang="ko-KR" altLang="en-US" sz="2400" b="1" dirty="0" smtClean="0">
-                <a:gradFill>
-                  <a:gsLst>
-                    <a:gs pos="0">
-                      <a:srgbClr val="339966"/>
-                    </a:gs>
-                    <a:gs pos="100000">
-                      <a:srgbClr val="339966"/>
-                    </a:gs>
-                  </a:gsLst>
-                  <a:lin ang="5400000" scaled="0"/>
-                </a:gradFill>
-                <a:latin typeface="Arial" pitchFamily="34" charset="0"/>
-                <a:cs typeface="Arial" pitchFamily="34" charset="0"/>
-              </a:rPr>
-              <a:t>세</a:t>
-            </a:r>
-            <a:r>
-              <a:rPr lang="ko-KR" altLang="en-US" sz="2400" b="1" dirty="0" smtClean="0">
-                <a:gradFill>
-                  <a:gsLst>
-                    <a:gs pos="0">
-                      <a:srgbClr val="339966"/>
-                    </a:gs>
-                    <a:gs pos="100000">
-                      <a:srgbClr val="339966"/>
-                    </a:gs>
-                  </a:gsLst>
-                  <a:lin ang="5400000" scaled="0"/>
-                </a:gradFill>
-                <a:latin typeface="Arial" pitchFamily="34" charset="0"/>
-                <a:cs typeface="Arial" pitchFamily="34" charset="0"/>
-              </a:rPr>
-              <a:t> 영화 리뷰 간 유사성 계산하기</a:t>
+              <a:t>세 영화 리뷰 간 유사성 계산하기</a:t>
             </a:r>
             <a:endParaRPr lang="ko-KR" altLang="en-US" sz="2400" b="1" dirty="0">
               <a:gradFill>
@@ -5482,10 +5316,10 @@
                 <a:latin typeface="Arial" pitchFamily="34" charset="0"/>
                 <a:cs typeface="Arial" pitchFamily="34" charset="0"/>
               </a:rPr>
-              <a:t>2</a:t>
-            </a:r>
-            <a:r>
-              <a:rPr lang="en-US" altLang="ko-KR" sz="2400" b="1" dirty="0" smtClean="0">
+              <a:t>2-1. </a:t>
+            </a:r>
+            <a:r>
+              <a:rPr lang="ko-KR" altLang="en-US" sz="2400" b="1" dirty="0" smtClean="0">
                 <a:gradFill>
                   <a:gsLst>
                     <a:gs pos="0">
@@ -5500,43 +5334,7 @@
                 <a:latin typeface="Arial" pitchFamily="34" charset="0"/>
                 <a:cs typeface="Arial" pitchFamily="34" charset="0"/>
               </a:rPr>
-              <a:t>-1. </a:t>
-            </a:r>
-            <a:r>
-              <a:rPr lang="ko-KR" altLang="en-US" sz="2400" b="1" dirty="0" smtClean="0">
-                <a:gradFill>
-                  <a:gsLst>
-                    <a:gs pos="0">
-                      <a:srgbClr val="339966"/>
-                    </a:gs>
-                    <a:gs pos="100000">
-                      <a:srgbClr val="339966"/>
-                    </a:gs>
-                  </a:gsLst>
-                  <a:lin ang="5400000" scaled="0"/>
-                </a:gradFill>
-                <a:latin typeface="Arial" pitchFamily="34" charset="0"/>
-                <a:cs typeface="Arial" pitchFamily="34" charset="0"/>
-              </a:rPr>
-              <a:t>세</a:t>
-            </a:r>
-            <a:r>
-              <a:rPr lang="ko-KR" altLang="en-US" sz="2400" b="1" dirty="0" smtClean="0">
-                <a:gradFill>
-                  <a:gsLst>
-                    <a:gs pos="0">
-                      <a:srgbClr val="339966"/>
-                    </a:gs>
-                    <a:gs pos="100000">
-                      <a:srgbClr val="339966"/>
-                    </a:gs>
-                  </a:gsLst>
-                  <a:lin ang="5400000" scaled="0"/>
-                </a:gradFill>
-                <a:latin typeface="Arial" pitchFamily="34" charset="0"/>
-                <a:cs typeface="Arial" pitchFamily="34" charset="0"/>
-              </a:rPr>
-              <a:t> 영화 리뷰 간 유사성 계산하기</a:t>
+              <a:t>세 영화 리뷰 간 유사성 계산하기</a:t>
             </a:r>
             <a:endParaRPr lang="ko-KR" altLang="en-US" sz="2400" b="1" dirty="0">
               <a:gradFill>
@@ -6835,31 +6633,7 @@
                 <a:latin typeface="Arial" pitchFamily="34" charset="0"/>
                 <a:cs typeface="Arial" pitchFamily="34" charset="0"/>
               </a:rPr>
-              <a:t>개씩 </a:t>
-            </a:r>
-            <a:r>
-              <a:rPr lang="ko-KR" altLang="en-US" sz="1200" dirty="0" smtClean="0">
-                <a:gradFill>
-                  <a:gsLst>
-                    <a:gs pos="0">
-                      <a:schemeClr val="tx1">
-                        <a:lumMod val="65000"/>
-                        <a:lumOff val="35000"/>
-                      </a:schemeClr>
-                    </a:gs>
-                    <a:gs pos="100000">
-                      <a:schemeClr val="tx1">
-                        <a:lumMod val="65000"/>
-                        <a:lumOff val="35000"/>
-                      </a:schemeClr>
-                    </a:gs>
-                  </a:gsLst>
-                  <a:lin ang="5400000" scaled="0"/>
-                </a:gradFill>
-                <a:latin typeface="Arial" pitchFamily="34" charset="0"/>
-                <a:cs typeface="Arial" pitchFamily="34" charset="0"/>
-              </a:rPr>
-              <a:t>묶어서 계산했을 때</a:t>
+              <a:t>개씩 묶어서 계산했을 때</a:t>
             </a:r>
             <a:endParaRPr lang="ko-KR" altLang="en-US" sz="1200" dirty="0">
               <a:gradFill>
@@ -9321,31 +9095,7 @@
                 <a:latin typeface="Arial" pitchFamily="34" charset="0"/>
                 <a:cs typeface="Arial" pitchFamily="34" charset="0"/>
               </a:rPr>
-              <a:t>출력 </a:t>
-            </a:r>
-            <a:r>
-              <a:rPr lang="ko-KR" altLang="en-US" sz="1400" dirty="0" smtClean="0">
-                <a:gradFill>
-                  <a:gsLst>
-                    <a:gs pos="0">
-                      <a:schemeClr val="tx1">
-                        <a:lumMod val="65000"/>
-                        <a:lumOff val="35000"/>
-                      </a:schemeClr>
-                    </a:gs>
-                    <a:gs pos="100000">
-                      <a:schemeClr val="tx1">
-                        <a:lumMod val="65000"/>
-                        <a:lumOff val="35000"/>
-                      </a:schemeClr>
-                    </a:gs>
-                  </a:gsLst>
-                  <a:lin ang="5400000" scaled="0"/>
-                </a:gradFill>
-                <a:latin typeface="Arial" pitchFamily="34" charset="0"/>
-                <a:cs typeface="Arial" pitchFamily="34" charset="0"/>
-              </a:rPr>
-              <a:t>결과</a:t>
+              <a:t>출력 결과</a:t>
             </a:r>
             <a:r>
               <a:rPr lang="en-US" altLang="ko-KR" sz="1400" dirty="0" smtClean="0">
@@ -10714,31 +10464,7 @@
                 <a:latin typeface="Arial" pitchFamily="34" charset="0"/>
                 <a:cs typeface="Arial" pitchFamily="34" charset="0"/>
               </a:rPr>
-              <a:t>출력 </a:t>
-            </a:r>
-            <a:r>
-              <a:rPr lang="ko-KR" altLang="en-US" sz="1400" dirty="0" smtClean="0">
-                <a:gradFill>
-                  <a:gsLst>
-                    <a:gs pos="0">
-                      <a:schemeClr val="tx1">
-                        <a:lumMod val="65000"/>
-                        <a:lumOff val="35000"/>
-                      </a:schemeClr>
-                    </a:gs>
-                    <a:gs pos="100000">
-                      <a:schemeClr val="tx1">
-                        <a:lumMod val="65000"/>
-                        <a:lumOff val="35000"/>
-                      </a:schemeClr>
-                    </a:gs>
-                  </a:gsLst>
-                  <a:lin ang="5400000" scaled="0"/>
-                </a:gradFill>
-                <a:latin typeface="Arial" pitchFamily="34" charset="0"/>
-                <a:cs typeface="Arial" pitchFamily="34" charset="0"/>
-              </a:rPr>
-              <a:t>결과</a:t>
+              <a:t>출력 결과</a:t>
             </a:r>
             <a:r>
               <a:rPr lang="en-US" altLang="ko-KR" sz="1400" dirty="0" smtClean="0">
@@ -12107,31 +11833,7 @@
                 <a:latin typeface="Arial" pitchFamily="34" charset="0"/>
                 <a:cs typeface="Arial" pitchFamily="34" charset="0"/>
               </a:rPr>
-              <a:t>출력 </a:t>
-            </a:r>
-            <a:r>
-              <a:rPr lang="ko-KR" altLang="en-US" sz="1400" dirty="0" smtClean="0">
-                <a:gradFill>
-                  <a:gsLst>
-                    <a:gs pos="0">
-                      <a:schemeClr val="tx1">
-                        <a:lumMod val="65000"/>
-                        <a:lumOff val="35000"/>
-                      </a:schemeClr>
-                    </a:gs>
-                    <a:gs pos="100000">
-                      <a:schemeClr val="tx1">
-                        <a:lumMod val="65000"/>
-                        <a:lumOff val="35000"/>
-                      </a:schemeClr>
-                    </a:gs>
-                  </a:gsLst>
-                  <a:lin ang="5400000" scaled="0"/>
-                </a:gradFill>
-                <a:latin typeface="Arial" pitchFamily="34" charset="0"/>
-                <a:cs typeface="Arial" pitchFamily="34" charset="0"/>
-              </a:rPr>
-              <a:t>결과</a:t>
+              <a:t>출력 결과</a:t>
             </a:r>
             <a:r>
               <a:rPr lang="en-US" altLang="ko-KR" sz="1400" dirty="0" smtClean="0">
@@ -12628,10 +12330,10 @@
                 <a:latin typeface="Arial" pitchFamily="34" charset="0"/>
                 <a:cs typeface="Arial" pitchFamily="34" charset="0"/>
               </a:rPr>
-              <a:t> </a:t>
-            </a:r>
-            <a:r>
-              <a:rPr lang="en-US" altLang="ko-KR" sz="2800" b="1" dirty="0" smtClean="0">
+              <a:t> 2 – </a:t>
+            </a:r>
+            <a:r>
+              <a:rPr lang="ko-KR" altLang="en-US" sz="2800" b="1" dirty="0" smtClean="0">
                 <a:gradFill>
                   <a:gsLst>
                     <a:gs pos="0">
@@ -12646,61 +12348,7 @@
                 <a:latin typeface="Arial" pitchFamily="34" charset="0"/>
                 <a:cs typeface="Arial" pitchFamily="34" charset="0"/>
               </a:rPr>
-              <a:t>2 </a:t>
-            </a:r>
-            <a:r>
-              <a:rPr lang="en-US" altLang="ko-KR" sz="2800" b="1" dirty="0" smtClean="0">
-                <a:gradFill>
-                  <a:gsLst>
-                    <a:gs pos="0">
-                      <a:srgbClr val="339966"/>
-                    </a:gs>
-                    <a:gs pos="100000">
-                      <a:srgbClr val="339966"/>
-                    </a:gs>
-                  </a:gsLst>
-                  <a:lin ang="5400000" scaled="0"/>
-                </a:gradFill>
-                <a:latin typeface="Arial" pitchFamily="34" charset="0"/>
-                <a:cs typeface="Arial" pitchFamily="34" charset="0"/>
-              </a:rPr>
-              <a:t>– </a:t>
-            </a:r>
-            <a:r>
-              <a:rPr lang="ko-KR" altLang="en-US" sz="2800" b="1" dirty="0" smtClean="0">
-                <a:gradFill>
-                  <a:gsLst>
-                    <a:gs pos="0">
-                      <a:srgbClr val="339966"/>
-                    </a:gs>
-                    <a:gs pos="100000">
-                      <a:srgbClr val="339966"/>
-                    </a:gs>
-                  </a:gsLst>
-                  <a:lin ang="5400000" scaled="0"/>
-                </a:gradFill>
-                <a:latin typeface="Arial" pitchFamily="34" charset="0"/>
-                <a:cs typeface="Arial" pitchFamily="34" charset="0"/>
-              </a:rPr>
-              <a:t>여러 </a:t>
-            </a:r>
-            <a:r>
-              <a:rPr lang="ko-KR" altLang="en-US" sz="2800" b="1" dirty="0" smtClean="0">
-                <a:gradFill>
-                  <a:gsLst>
-                    <a:gs pos="0">
-                      <a:srgbClr val="339966"/>
-                    </a:gs>
-                    <a:gs pos="100000">
-                      <a:srgbClr val="339966"/>
-                    </a:gs>
-                  </a:gsLst>
-                  <a:lin ang="5400000" scaled="0"/>
-                </a:gradFill>
-                <a:latin typeface="Arial" pitchFamily="34" charset="0"/>
-                <a:cs typeface="Arial" pitchFamily="34" charset="0"/>
-              </a:rPr>
-              <a:t>영화 리뷰 텍스트 간 유사성 계산하기</a:t>
+              <a:t>여러 영화 리뷰 텍스트 간 유사성 계산하기</a:t>
             </a:r>
             <a:endParaRPr lang="ko-KR" altLang="en-US" sz="2800" b="1" dirty="0">
               <a:gradFill>
